--- a/图像分类-孙一-房鋆.pptx
+++ b/图像分类-孙一-房鋆.pptx
@@ -119,6 +119,11 @@
       </a:defRPr>
     </a:lvl9pPr>
   </p:defaultTextStyle>
+  <p:extLst>
+    <p:ext uri="{EFAFB233-063F-42B5-8137-9DF3F51BA10A}">
+      <p15:sldGuideLst xmlns:p15="http://schemas.microsoft.com/office/powerpoint/2012/main"/>
+    </p:ext>
+  </p:extLst>
 </p:presentation>
 </file>
 
@@ -204,7 +209,7 @@
           <a:p>
             <a:fld id="{E97688D6-204B-8A4F-AFBC-074F772A0150}" type="datetimeFigureOut">
               <a:rPr kumimoji="1" lang="zh-CN" altLang="en-US" smtClean="0"/>
-              <a:t>2024/6/11</a:t>
+              <a:t>2024/6/12</a:t>
             </a:fld>
             <a:endParaRPr kumimoji="1" lang="zh-CN" altLang="en-US"/>
           </a:p>
@@ -1485,7 +1490,7 @@
           <a:p>
             <a:fld id="{D0DA8BFA-E20B-6649-B1D7-0734B0680956}" type="datetimeFigureOut">
               <a:rPr kumimoji="1" lang="zh-CN" altLang="en-US" smtClean="0"/>
-              <a:t>2024/6/11</a:t>
+              <a:t>2024/6/12</a:t>
             </a:fld>
             <a:endParaRPr kumimoji="1" lang="zh-CN" altLang="en-US"/>
           </a:p>
@@ -1683,7 +1688,7 @@
           <a:p>
             <a:fld id="{D0DA8BFA-E20B-6649-B1D7-0734B0680956}" type="datetimeFigureOut">
               <a:rPr kumimoji="1" lang="zh-CN" altLang="en-US" smtClean="0"/>
-              <a:t>2024/6/11</a:t>
+              <a:t>2024/6/12</a:t>
             </a:fld>
             <a:endParaRPr kumimoji="1" lang="zh-CN" altLang="en-US"/>
           </a:p>
@@ -1891,7 +1896,7 @@
           <a:p>
             <a:fld id="{D0DA8BFA-E20B-6649-B1D7-0734B0680956}" type="datetimeFigureOut">
               <a:rPr kumimoji="1" lang="zh-CN" altLang="en-US" smtClean="0"/>
-              <a:t>2024/6/11</a:t>
+              <a:t>2024/6/12</a:t>
             </a:fld>
             <a:endParaRPr kumimoji="1" lang="zh-CN" altLang="en-US"/>
           </a:p>
@@ -2089,7 +2094,7 @@
           <a:p>
             <a:fld id="{D0DA8BFA-E20B-6649-B1D7-0734B0680956}" type="datetimeFigureOut">
               <a:rPr kumimoji="1" lang="zh-CN" altLang="en-US" smtClean="0"/>
-              <a:t>2024/6/11</a:t>
+              <a:t>2024/6/12</a:t>
             </a:fld>
             <a:endParaRPr kumimoji="1" lang="zh-CN" altLang="en-US"/>
           </a:p>
@@ -2364,7 +2369,7 @@
           <a:p>
             <a:fld id="{D0DA8BFA-E20B-6649-B1D7-0734B0680956}" type="datetimeFigureOut">
               <a:rPr kumimoji="1" lang="zh-CN" altLang="en-US" smtClean="0"/>
-              <a:t>2024/6/11</a:t>
+              <a:t>2024/6/12</a:t>
             </a:fld>
             <a:endParaRPr kumimoji="1" lang="zh-CN" altLang="en-US"/>
           </a:p>
@@ -2629,7 +2634,7 @@
           <a:p>
             <a:fld id="{D0DA8BFA-E20B-6649-B1D7-0734B0680956}" type="datetimeFigureOut">
               <a:rPr kumimoji="1" lang="zh-CN" altLang="en-US" smtClean="0"/>
-              <a:t>2024/6/11</a:t>
+              <a:t>2024/6/12</a:t>
             </a:fld>
             <a:endParaRPr kumimoji="1" lang="zh-CN" altLang="en-US"/>
           </a:p>
@@ -3041,7 +3046,7 @@
           <a:p>
             <a:fld id="{D0DA8BFA-E20B-6649-B1D7-0734B0680956}" type="datetimeFigureOut">
               <a:rPr kumimoji="1" lang="zh-CN" altLang="en-US" smtClean="0"/>
-              <a:t>2024/6/11</a:t>
+              <a:t>2024/6/12</a:t>
             </a:fld>
             <a:endParaRPr kumimoji="1" lang="zh-CN" altLang="en-US"/>
           </a:p>
@@ -3182,7 +3187,7 @@
           <a:p>
             <a:fld id="{D0DA8BFA-E20B-6649-B1D7-0734B0680956}" type="datetimeFigureOut">
               <a:rPr kumimoji="1" lang="zh-CN" altLang="en-US" smtClean="0"/>
-              <a:t>2024/6/11</a:t>
+              <a:t>2024/6/12</a:t>
             </a:fld>
             <a:endParaRPr kumimoji="1" lang="zh-CN" altLang="en-US"/>
           </a:p>
@@ -3295,7 +3300,7 @@
           <a:p>
             <a:fld id="{D0DA8BFA-E20B-6649-B1D7-0734B0680956}" type="datetimeFigureOut">
               <a:rPr kumimoji="1" lang="zh-CN" altLang="en-US" smtClean="0"/>
-              <a:t>2024/6/11</a:t>
+              <a:t>2024/6/12</a:t>
             </a:fld>
             <a:endParaRPr kumimoji="1" lang="zh-CN" altLang="en-US"/>
           </a:p>
@@ -3606,7 +3611,7 @@
           <a:p>
             <a:fld id="{D0DA8BFA-E20B-6649-B1D7-0734B0680956}" type="datetimeFigureOut">
               <a:rPr kumimoji="1" lang="zh-CN" altLang="en-US" smtClean="0"/>
-              <a:t>2024/6/11</a:t>
+              <a:t>2024/6/12</a:t>
             </a:fld>
             <a:endParaRPr kumimoji="1" lang="zh-CN" altLang="en-US"/>
           </a:p>
@@ -3894,7 +3899,7 @@
           <a:p>
             <a:fld id="{D0DA8BFA-E20B-6649-B1D7-0734B0680956}" type="datetimeFigureOut">
               <a:rPr kumimoji="1" lang="zh-CN" altLang="en-US" smtClean="0"/>
-              <a:t>2024/6/11</a:t>
+              <a:t>2024/6/12</a:t>
             </a:fld>
             <a:endParaRPr kumimoji="1" lang="zh-CN" altLang="en-US"/>
           </a:p>
@@ -4135,7 +4140,7 @@
           <a:p>
             <a:fld id="{D0DA8BFA-E20B-6649-B1D7-0734B0680956}" type="datetimeFigureOut">
               <a:rPr kumimoji="1" lang="zh-CN" altLang="en-US" smtClean="0"/>
-              <a:t>2024/6/11</a:t>
+              <a:t>2024/6/12</a:t>
             </a:fld>
             <a:endParaRPr kumimoji="1" lang="zh-CN" altLang="en-US"/>
           </a:p>
@@ -4971,6 +4976,44 @@
           </a:p>
         </p:txBody>
       </p:sp>
+      <p:sp>
+        <p:nvSpPr>
+          <p:cNvPr id="4" name="文本框 3">
+            <a:extLst>
+              <a:ext uri="{FF2B5EF4-FFF2-40B4-BE49-F238E27FC236}">
+                <a16:creationId xmlns:a16="http://schemas.microsoft.com/office/drawing/2014/main" id="{C0D9634C-0992-7093-E293-496B636F92AD}"/>
+              </a:ext>
+            </a:extLst>
+          </p:cNvPr>
+          <p:cNvSpPr txBox="1"/>
+          <p:nvPr/>
+        </p:nvSpPr>
+        <p:spPr>
+          <a:xfrm>
+            <a:off x="3438144" y="5969655"/>
+            <a:ext cx="7915656" cy="523220"/>
+          </a:xfrm>
+          <a:prstGeom prst="rect">
+            <a:avLst/>
+          </a:prstGeom>
+          <a:noFill/>
+        </p:spPr>
+        <p:txBody>
+          <a:bodyPr wrap="square">
+            <a:spAutoFit/>
+          </a:bodyPr>
+          <a:lstStyle/>
+          <a:p>
+            <a:r>
+              <a:rPr lang="zh-CN" altLang="en-US" sz="2800" dirty="0">
+                <a:latin typeface="Arial" panose="020B0604020202020204" pitchFamily="34" charset="0"/>
+                <a:cs typeface="Arial" panose="020B0604020202020204" pitchFamily="34" charset="0"/>
+              </a:rPr>
+              <a:t>大作业代码见：https://github.com/miniTsl/THUAI</a:t>
+            </a:r>
+          </a:p>
+        </p:txBody>
+      </p:sp>
     </p:spTree>
     <p:extLst>
       <p:ext uri="{BB962C8B-B14F-4D97-AF65-F5344CB8AC3E}">
@@ -5117,60 +5160,62 @@
         </p:nvSpPr>
         <p:spPr/>
         <p:txBody>
-          <a:bodyPr/>
-          <a:lstStyle/>
-          <a:p>
-            <a:r>
-              <a:rPr kumimoji="1" lang="zh-CN" altLang="en-US" dirty="0">
-                <a:latin typeface="Arial" panose="020B0604020202020204" pitchFamily="34" charset="0"/>
-                <a:cs typeface="Arial" panose="020B0604020202020204" pitchFamily="34" charset="0"/>
-              </a:rPr>
-              <a:t>目录</a:t>
-            </a:r>
-          </a:p>
-        </p:txBody>
-      </p:sp>
-      <p:sp>
-        <p:nvSpPr>
-          <p:cNvPr id="3" name="内容占位符 2">
-            <a:extLst>
-              <a:ext uri="{FF2B5EF4-FFF2-40B4-BE49-F238E27FC236}">
-                <a16:creationId xmlns:a16="http://schemas.microsoft.com/office/drawing/2014/main" id="{A15BA2F4-B938-6EAA-3D3D-BC307AB0C523}"/>
-              </a:ext>
-            </a:extLst>
-          </p:cNvPr>
-          <p:cNvSpPr>
-            <a:spLocks noGrp="1"/>
-          </p:cNvSpPr>
-          <p:nvPr>
-            <p:ph idx="1"/>
-          </p:nvPr>
-        </p:nvSpPr>
-        <p:spPr>
-          <a:xfrm>
-            <a:off x="838200" y="1690688"/>
-            <a:ext cx="10515600" cy="4105618"/>
-          </a:xfrm>
-        </p:spPr>
-        <p:txBody>
           <a:bodyPr>
             <a:normAutofit/>
           </a:bodyPr>
           <a:lstStyle/>
           <a:p>
+            <a:r>
+              <a:rPr kumimoji="1" lang="zh-CN" altLang="en-US" sz="5400" dirty="0">
+                <a:latin typeface="Arial" panose="020B0604020202020204" pitchFamily="34" charset="0"/>
+                <a:cs typeface="Arial" panose="020B0604020202020204" pitchFamily="34" charset="0"/>
+              </a:rPr>
+              <a:t>目录</a:t>
+            </a:r>
+          </a:p>
+        </p:txBody>
+      </p:sp>
+      <p:sp>
+        <p:nvSpPr>
+          <p:cNvPr id="3" name="内容占位符 2">
+            <a:extLst>
+              <a:ext uri="{FF2B5EF4-FFF2-40B4-BE49-F238E27FC236}">
+                <a16:creationId xmlns:a16="http://schemas.microsoft.com/office/drawing/2014/main" id="{A15BA2F4-B938-6EAA-3D3D-BC307AB0C523}"/>
+              </a:ext>
+            </a:extLst>
+          </p:cNvPr>
+          <p:cNvSpPr>
+            <a:spLocks noGrp="1"/>
+          </p:cNvSpPr>
+          <p:nvPr>
+            <p:ph idx="1"/>
+          </p:nvPr>
+        </p:nvSpPr>
+        <p:spPr>
+          <a:xfrm>
+            <a:off x="838200" y="1690687"/>
+            <a:ext cx="10719816" cy="4802187"/>
+          </a:xfrm>
+        </p:spPr>
+        <p:txBody>
+          <a:bodyPr>
+            <a:normAutofit/>
+          </a:bodyPr>
+          <a:lstStyle/>
+          <a:p>
             <a:pPr>
               <a:lnSpc>
-                <a:spcPct val="150000"/>
+                <a:spcPts val="4000"/>
               </a:lnSpc>
             </a:pPr>
             <a:r>
-              <a:rPr kumimoji="1" lang="zh-CN" altLang="en-US" sz="2400" dirty="0">
+              <a:rPr kumimoji="1" lang="zh-CN" altLang="en-US" dirty="0">
                 <a:latin typeface="Arial" panose="020B0604020202020204" pitchFamily="34" charset="0"/>
                 <a:cs typeface="Arial" panose="020B0604020202020204" pitchFamily="34" charset="0"/>
               </a:rPr>
               <a:t>任务介绍</a:t>
             </a:r>
-            <a:endParaRPr kumimoji="1" lang="en-US" altLang="zh-CN" sz="2400" dirty="0">
+            <a:endParaRPr kumimoji="1" lang="en-US" altLang="zh-CN" dirty="0">
               <a:latin typeface="Arial" panose="020B0604020202020204" pitchFamily="34" charset="0"/>
               <a:cs typeface="Arial" panose="020B0604020202020204" pitchFamily="34" charset="0"/>
             </a:endParaRPr>
@@ -5178,17 +5223,17 @@
           <a:p>
             <a:pPr lvl="1">
               <a:lnSpc>
-                <a:spcPct val="150000"/>
+                <a:spcPts val="4000"/>
               </a:lnSpc>
             </a:pPr>
             <a:r>
-              <a:rPr kumimoji="1" lang="zh-CN" altLang="en-US" sz="2000" dirty="0">
+              <a:rPr kumimoji="1" lang="zh-CN" altLang="en-US" dirty="0">
                 <a:latin typeface="Arial" panose="020B0604020202020204" pitchFamily="34" charset="0"/>
                 <a:cs typeface="Arial" panose="020B0604020202020204" pitchFamily="34" charset="0"/>
               </a:rPr>
               <a:t>数据集</a:t>
             </a:r>
-            <a:endParaRPr kumimoji="1" lang="en-US" altLang="zh-CN" sz="2000" dirty="0">
+            <a:endParaRPr kumimoji="1" lang="en-US" altLang="zh-CN" dirty="0">
               <a:latin typeface="Arial" panose="020B0604020202020204" pitchFamily="34" charset="0"/>
               <a:cs typeface="Arial" panose="020B0604020202020204" pitchFamily="34" charset="0"/>
             </a:endParaRPr>
@@ -5196,53 +5241,53 @@
           <a:p>
             <a:pPr lvl="1">
               <a:lnSpc>
-                <a:spcPct val="150000"/>
+                <a:spcPts val="4000"/>
               </a:lnSpc>
             </a:pPr>
             <a:r>
-              <a:rPr kumimoji="1" lang="zh-CN" altLang="en-US" sz="2000" dirty="0">
-                <a:latin typeface="Arial" panose="020B0604020202020204" pitchFamily="34" charset="0"/>
-                <a:cs typeface="Arial" panose="020B0604020202020204" pitchFamily="34" charset="0"/>
-              </a:rPr>
-              <a:t>模型选择</a:t>
-            </a:r>
-            <a:endParaRPr kumimoji="1" lang="en-US" altLang="zh-CN" sz="2000" dirty="0">
+              <a:rPr kumimoji="1" lang="zh-CN" altLang="en-US" dirty="0">
+                <a:latin typeface="Arial" panose="020B0604020202020204" pitchFamily="34" charset="0"/>
+                <a:cs typeface="Arial" panose="020B0604020202020204" pitchFamily="34" charset="0"/>
+              </a:rPr>
+              <a:t>数据处理</a:t>
+            </a:r>
+            <a:endParaRPr kumimoji="1" lang="en-US" altLang="zh-CN" dirty="0">
               <a:latin typeface="Arial" panose="020B0604020202020204" pitchFamily="34" charset="0"/>
               <a:cs typeface="Arial" panose="020B0604020202020204" pitchFamily="34" charset="0"/>
             </a:endParaRPr>
           </a:p>
           <a:p>
-            <a:pPr>
+            <a:pPr lvl="1">
               <a:lnSpc>
-                <a:spcPct val="150000"/>
+                <a:spcPts val="4000"/>
               </a:lnSpc>
             </a:pPr>
             <a:r>
-              <a:rPr kumimoji="1" lang="zh-CN" altLang="en-US" sz="2400" dirty="0">
-                <a:latin typeface="Arial" panose="020B0604020202020204" pitchFamily="34" charset="0"/>
-                <a:cs typeface="Arial" panose="020B0604020202020204" pitchFamily="34" charset="0"/>
-              </a:rPr>
-              <a:t>实验</a:t>
-            </a:r>
-            <a:endParaRPr kumimoji="1" lang="en-US" altLang="zh-CN" sz="2400" dirty="0">
+              <a:rPr kumimoji="1" lang="zh-CN" altLang="en-US" dirty="0">
+                <a:latin typeface="Arial" panose="020B0604020202020204" pitchFamily="34" charset="0"/>
+                <a:cs typeface="Arial" panose="020B0604020202020204" pitchFamily="34" charset="0"/>
+              </a:rPr>
+              <a:t>模型选择</a:t>
+            </a:r>
+            <a:endParaRPr kumimoji="1" lang="en-US" altLang="zh-CN" dirty="0">
               <a:latin typeface="Arial" panose="020B0604020202020204" pitchFamily="34" charset="0"/>
               <a:cs typeface="Arial" panose="020B0604020202020204" pitchFamily="34" charset="0"/>
             </a:endParaRPr>
           </a:p>
           <a:p>
-            <a:pPr lvl="1">
+            <a:pPr>
               <a:lnSpc>
-                <a:spcPct val="150000"/>
+                <a:spcPts val="4000"/>
               </a:lnSpc>
             </a:pPr>
             <a:r>
-              <a:rPr kumimoji="1" lang="zh-CN" altLang="en-US" sz="2000" dirty="0">
-                <a:latin typeface="Arial" panose="020B0604020202020204" pitchFamily="34" charset="0"/>
-                <a:cs typeface="Arial" panose="020B0604020202020204" pitchFamily="34" charset="0"/>
-              </a:rPr>
-              <a:t>实验设计</a:t>
-            </a:r>
-            <a:endParaRPr kumimoji="1" lang="en-US" altLang="zh-CN" sz="2000" dirty="0">
+              <a:rPr kumimoji="1" lang="zh-CN" altLang="en-US" dirty="0">
+                <a:latin typeface="Arial" panose="020B0604020202020204" pitchFamily="34" charset="0"/>
+                <a:cs typeface="Arial" panose="020B0604020202020204" pitchFamily="34" charset="0"/>
+              </a:rPr>
+              <a:t>实验</a:t>
+            </a:r>
+            <a:endParaRPr kumimoji="1" lang="en-US" altLang="zh-CN" dirty="0">
               <a:latin typeface="Arial" panose="020B0604020202020204" pitchFamily="34" charset="0"/>
               <a:cs typeface="Arial" panose="020B0604020202020204" pitchFamily="34" charset="0"/>
             </a:endParaRPr>
@@ -5250,42 +5295,60 @@
           <a:p>
             <a:pPr lvl="1">
               <a:lnSpc>
-                <a:spcPct val="150000"/>
+                <a:spcPts val="4000"/>
               </a:lnSpc>
             </a:pPr>
             <a:r>
-              <a:rPr kumimoji="1" lang="zh-CN" altLang="en-US" sz="2000" dirty="0">
-                <a:latin typeface="Arial" panose="020B0604020202020204" pitchFamily="34" charset="0"/>
-                <a:cs typeface="Arial" panose="020B0604020202020204" pitchFamily="34" charset="0"/>
-              </a:rPr>
-              <a:t>实验结果</a:t>
-            </a:r>
-            <a:endParaRPr kumimoji="1" lang="en-US" altLang="zh-CN" sz="2000" dirty="0">
+              <a:rPr kumimoji="1" lang="zh-CN" altLang="en-US" dirty="0">
+                <a:latin typeface="Arial" panose="020B0604020202020204" pitchFamily="34" charset="0"/>
+                <a:cs typeface="Arial" panose="020B0604020202020204" pitchFamily="34" charset="0"/>
+              </a:rPr>
+              <a:t>实验设计</a:t>
+            </a:r>
+            <a:endParaRPr kumimoji="1" lang="en-US" altLang="zh-CN" dirty="0">
               <a:latin typeface="Arial" panose="020B0604020202020204" pitchFamily="34" charset="0"/>
               <a:cs typeface="Arial" panose="020B0604020202020204" pitchFamily="34" charset="0"/>
             </a:endParaRPr>
           </a:p>
           <a:p>
+            <a:pPr lvl="1">
+              <a:lnSpc>
+                <a:spcPts val="4000"/>
+              </a:lnSpc>
+            </a:pPr>
+            <a:r>
+              <a:rPr kumimoji="1" lang="zh-CN" altLang="en-US" dirty="0">
+                <a:latin typeface="Arial" panose="020B0604020202020204" pitchFamily="34" charset="0"/>
+                <a:cs typeface="Arial" panose="020B0604020202020204" pitchFamily="34" charset="0"/>
+              </a:rPr>
+              <a:t>实验结果</a:t>
+            </a:r>
+            <a:endParaRPr kumimoji="1" lang="en-US" altLang="zh-CN" dirty="0">
+              <a:latin typeface="Arial" panose="020B0604020202020204" pitchFamily="34" charset="0"/>
+              <a:cs typeface="Arial" panose="020B0604020202020204" pitchFamily="34" charset="0"/>
+            </a:endParaRPr>
+          </a:p>
+          <a:p>
             <a:pPr>
               <a:lnSpc>
-                <a:spcPct val="150000"/>
+                <a:spcPts val="4000"/>
               </a:lnSpc>
             </a:pPr>
             <a:r>
-              <a:rPr kumimoji="1" lang="en-US" altLang="zh-CN" sz="2400" dirty="0">
+              <a:rPr kumimoji="1" lang="en-US" altLang="zh-CN" dirty="0">
                 <a:latin typeface="Arial" panose="020B0604020202020204" pitchFamily="34" charset="0"/>
                 <a:cs typeface="Arial" panose="020B0604020202020204" pitchFamily="34" charset="0"/>
               </a:rPr>
               <a:t>Demo</a:t>
             </a:r>
             <a:r>
-              <a:rPr kumimoji="1" lang="zh-CN" altLang="en-US" sz="2400" dirty="0">
+              <a:rPr kumimoji="1" lang="zh-CN" altLang="en-US" dirty="0">
                 <a:latin typeface="Arial" panose="020B0604020202020204" pitchFamily="34" charset="0"/>
                 <a:cs typeface="Arial" panose="020B0604020202020204" pitchFamily="34" charset="0"/>
               </a:rPr>
               <a:t>演示</a:t>
             </a:r>
-            <a:endParaRPr kumimoji="1" lang="en-US" altLang="zh-CN" sz="2400" dirty="0">
+            <a:endParaRPr kumimoji="1" lang="en-US" altLang="zh-CN" dirty="0">
               <a:latin typeface="Arial" panose="020B0604020202020204" pitchFamily="34" charset="0"/>
               <a:cs typeface="Arial" panose="020B0604020202020204" pitchFamily="34" charset="0"/>
             </a:endParaRPr>
@@ -5391,7 +5454,7 @@
         </p:blipFill>
         <p:spPr>
           <a:xfrm>
-            <a:off x="2230080" y="3118899"/>
+            <a:off x="2230080" y="3216435"/>
             <a:ext cx="7731840" cy="3543033"/>
           </a:xfrm>
           <a:prstGeom prst="rect">
@@ -5414,7 +5477,7 @@
         <p:spPr>
           <a:xfrm>
             <a:off x="838200" y="1690688"/>
-            <a:ext cx="8392886" cy="1428211"/>
+            <a:ext cx="8392886" cy="1695401"/>
           </a:xfrm>
           <a:prstGeom prst="rect">
             <a:avLst/>
@@ -5435,14 +5498,14 @@
               <a:buChar char="-"/>
             </a:pPr>
             <a:r>
-              <a:rPr lang="zh-CN" altLang="en-US" sz="2000" dirty="0">
+              <a:rPr lang="zh-CN" altLang="en-US" sz="2400" dirty="0">
                 <a:effectLst/>
                 <a:latin typeface="Arial" panose="020B0604020202020204" pitchFamily="34" charset="0"/>
                 <a:cs typeface="Arial" panose="020B0604020202020204" pitchFamily="34" charset="0"/>
               </a:rPr>
               <a:t>任务定义：给定⼀张图像，判断该图像所属的类别</a:t>
             </a:r>
-            <a:endParaRPr lang="en-US" altLang="zh-CN" sz="2000" dirty="0">
+            <a:endParaRPr lang="en-US" altLang="zh-CN" sz="2400" dirty="0">
               <a:latin typeface="Arial" panose="020B0604020202020204" pitchFamily="34" charset="0"/>
               <a:cs typeface="Arial" panose="020B0604020202020204" pitchFamily="34" charset="0"/>
             </a:endParaRPr>
@@ -5456,14 +5519,14 @@
               <a:buChar char="-"/>
             </a:pPr>
             <a:r>
-              <a:rPr lang="zh-CN" altLang="en-US" sz="2000" dirty="0">
+              <a:rPr lang="zh-CN" altLang="en-US" sz="2400" dirty="0">
                 <a:latin typeface="Arial" panose="020B0604020202020204" pitchFamily="34" charset="0"/>
                 <a:cs typeface="Arial" panose="020B0604020202020204" pitchFamily="34" charset="0"/>
               </a:rPr>
               <a:t>输入：图片 </a:t>
             </a:r>
             <a:r>
-              <a:rPr lang="en-US" altLang="zh-CN" sz="2000" dirty="0">
+              <a:rPr lang="en-US" altLang="zh-CN" sz="2400" dirty="0">
                 <a:latin typeface="Arial" panose="020B0604020202020204" pitchFamily="34" charset="0"/>
                 <a:cs typeface="Arial" panose="020B0604020202020204" pitchFamily="34" charset="0"/>
                 <a:sym typeface="Wingdings" pitchFamily="2" charset="2"/>
@@ -5471,7 +5534,7 @@
               <a:t></a:t>
             </a:r>
             <a:r>
-              <a:rPr lang="zh-CN" altLang="en-US" sz="2000" dirty="0">
+              <a:rPr lang="zh-CN" altLang="en-US" sz="2400" dirty="0">
                 <a:latin typeface="Arial" panose="020B0604020202020204" pitchFamily="34" charset="0"/>
                 <a:cs typeface="Arial" panose="020B0604020202020204" pitchFamily="34" charset="0"/>
                 <a:sym typeface="Wingdings" pitchFamily="2" charset="2"/>
@@ -5479,76 +5542,76 @@
               <a:t> </a:t>
             </a:r>
             <a:r>
-              <a:rPr lang="en-US" altLang="zh-CN" sz="2000" dirty="0">
+              <a:rPr lang="en-US" altLang="zh-CN" sz="2400" dirty="0">
                 <a:latin typeface="Arial" panose="020B0604020202020204" pitchFamily="34" charset="0"/>
                 <a:cs typeface="Arial" panose="020B0604020202020204" pitchFamily="34" charset="0"/>
               </a:rPr>
               <a:t>H</a:t>
             </a:r>
             <a:r>
-              <a:rPr lang="zh-CN" altLang="en-US" sz="2000" dirty="0">
+              <a:rPr lang="zh-CN" altLang="en-US" sz="2400" dirty="0">
                 <a:latin typeface="Arial" panose="020B0604020202020204" pitchFamily="34" charset="0"/>
                 <a:cs typeface="Arial" panose="020B0604020202020204" pitchFamily="34" charset="0"/>
               </a:rPr>
               <a:t>*</a:t>
             </a:r>
             <a:r>
-              <a:rPr lang="en-US" altLang="zh-CN" sz="2000" dirty="0">
+              <a:rPr lang="en-US" altLang="zh-CN" sz="2400" dirty="0">
                 <a:latin typeface="Arial" panose="020B0604020202020204" pitchFamily="34" charset="0"/>
                 <a:cs typeface="Arial" panose="020B0604020202020204" pitchFamily="34" charset="0"/>
               </a:rPr>
               <a:t>W</a:t>
             </a:r>
             <a:r>
-              <a:rPr lang="zh-CN" altLang="en-US" sz="2000" dirty="0">
+              <a:rPr lang="zh-CN" altLang="en-US" sz="2400" dirty="0">
                 <a:latin typeface="Arial" panose="020B0604020202020204" pitchFamily="34" charset="0"/>
                 <a:cs typeface="Arial" panose="020B0604020202020204" pitchFamily="34" charset="0"/>
               </a:rPr>
               <a:t>*</a:t>
             </a:r>
             <a:r>
-              <a:rPr lang="en-US" altLang="zh-CN" sz="2000" dirty="0">
+              <a:rPr lang="en-US" altLang="zh-CN" sz="2400" dirty="0">
                 <a:latin typeface="Arial" panose="020B0604020202020204" pitchFamily="34" charset="0"/>
                 <a:cs typeface="Arial" panose="020B0604020202020204" pitchFamily="34" charset="0"/>
               </a:rPr>
               <a:t>C(height</a:t>
             </a:r>
             <a:r>
-              <a:rPr lang="zh-CN" altLang="en-US" sz="2000" dirty="0">
+              <a:rPr lang="zh-CN" altLang="en-US" sz="2400" dirty="0">
                 <a:latin typeface="Arial" panose="020B0604020202020204" pitchFamily="34" charset="0"/>
                 <a:cs typeface="Arial" panose="020B0604020202020204" pitchFamily="34" charset="0"/>
               </a:rPr>
               <a:t>*</a:t>
             </a:r>
             <a:r>
-              <a:rPr lang="en-US" altLang="zh-CN" sz="2000" dirty="0">
+              <a:rPr lang="en-US" altLang="zh-CN" sz="2400" dirty="0">
                 <a:latin typeface="Arial" panose="020B0604020202020204" pitchFamily="34" charset="0"/>
                 <a:cs typeface="Arial" panose="020B0604020202020204" pitchFamily="34" charset="0"/>
               </a:rPr>
               <a:t>width</a:t>
             </a:r>
             <a:r>
-              <a:rPr lang="zh-CN" altLang="en-US" sz="2000" dirty="0">
+              <a:rPr lang="zh-CN" altLang="en-US" sz="2400" dirty="0">
                 <a:latin typeface="Arial" panose="020B0604020202020204" pitchFamily="34" charset="0"/>
                 <a:cs typeface="Arial" panose="020B0604020202020204" pitchFamily="34" charset="0"/>
               </a:rPr>
               <a:t>*</a:t>
             </a:r>
             <a:r>
-              <a:rPr lang="en-US" altLang="zh-CN" sz="2000" dirty="0">
+              <a:rPr lang="en-US" altLang="zh-CN" sz="2400" dirty="0">
                 <a:latin typeface="Arial" panose="020B0604020202020204" pitchFamily="34" charset="0"/>
                 <a:cs typeface="Arial" panose="020B0604020202020204" pitchFamily="34" charset="0"/>
               </a:rPr>
               <a:t>channel)</a:t>
             </a:r>
             <a:r>
-              <a:rPr lang="zh-CN" altLang="en-US" sz="2000" dirty="0">
+              <a:rPr lang="zh-CN" altLang="en-US" sz="2400" dirty="0">
                 <a:latin typeface="Arial" panose="020B0604020202020204" pitchFamily="34" charset="0"/>
                 <a:cs typeface="Arial" panose="020B0604020202020204" pitchFamily="34" charset="0"/>
               </a:rPr>
               <a:t>的数学表述</a:t>
             </a:r>
-            <a:endParaRPr lang="en-US" altLang="zh-CN" sz="2000" dirty="0">
+            <a:endParaRPr lang="en-US" altLang="zh-CN" sz="2400" dirty="0">
               <a:latin typeface="Arial" panose="020B0604020202020204" pitchFamily="34" charset="0"/>
               <a:cs typeface="Arial" panose="020B0604020202020204" pitchFamily="34" charset="0"/>
             </a:endParaRPr>
@@ -5562,7 +5625,7 @@
               <a:buChar char="-"/>
             </a:pPr>
             <a:r>
-              <a:rPr lang="zh-CN" altLang="en-US" sz="2000" dirty="0">
+              <a:rPr lang="zh-CN" altLang="en-US" sz="2400" dirty="0">
                 <a:effectLst/>
                 <a:latin typeface="Arial" panose="020B0604020202020204" pitchFamily="34" charset="0"/>
                 <a:cs typeface="Arial" panose="020B0604020202020204" pitchFamily="34" charset="0"/>
@@ -5570,7 +5633,7 @@
               <a:t>输出：分类标签</a:t>
             </a:r>
             <a:r>
-              <a:rPr lang="en-US" altLang="zh-CN" sz="2000" dirty="0">
+              <a:rPr lang="en-US" altLang="zh-CN" sz="2400" dirty="0">
                 <a:effectLst/>
                 <a:latin typeface="Arial" panose="020B0604020202020204" pitchFamily="34" charset="0"/>
                 <a:cs typeface="Arial" panose="020B0604020202020204" pitchFamily="34" charset="0"/>
@@ -5578,14 +5641,14 @@
               <a:t>label</a:t>
             </a:r>
             <a:r>
-              <a:rPr lang="zh-CN" altLang="en-US" sz="2000" dirty="0">
+              <a:rPr lang="zh-CN" altLang="en-US" sz="2400" dirty="0">
                 <a:effectLst/>
                 <a:latin typeface="Arial" panose="020B0604020202020204" pitchFamily="34" charset="0"/>
                 <a:cs typeface="Arial" panose="020B0604020202020204" pitchFamily="34" charset="0"/>
               </a:rPr>
               <a:t>，每个类别有唯一的数字编号</a:t>
             </a:r>
-            <a:endParaRPr lang="en" altLang="zh-CN" sz="2000" dirty="0">
+            <a:endParaRPr lang="en" altLang="zh-CN" sz="2400" dirty="0">
               <a:effectLst/>
               <a:latin typeface="Arial" panose="020B0604020202020204" pitchFamily="34" charset="0"/>
               <a:cs typeface="Arial" panose="020B0604020202020204" pitchFamily="34" charset="0"/>
@@ -7753,7 +7816,7 @@
         <p:spPr>
           <a:xfrm>
             <a:off x="838200" y="1690688"/>
-            <a:ext cx="8870762" cy="3364960"/>
+            <a:ext cx="10754034" cy="4100994"/>
           </a:xfrm>
           <a:prstGeom prst="rect">
             <a:avLst/>
@@ -7774,41 +7837,41 @@
               <a:buChar char="-"/>
             </a:pPr>
             <a:r>
-              <a:rPr kumimoji="1" lang="zh-CN" altLang="en" dirty="0">
+              <a:rPr kumimoji="1" lang="zh-CN" altLang="en" sz="2200" dirty="0">
                 <a:latin typeface="Arial" panose="020B0604020202020204" pitchFamily="34" charset="0"/>
                 <a:cs typeface="Arial" panose="020B0604020202020204" pitchFamily="34" charset="0"/>
               </a:rPr>
               <a:t>使用</a:t>
             </a:r>
             <a:r>
-              <a:rPr kumimoji="1" lang="en-US" altLang="zh-CN" dirty="0" err="1">
+              <a:rPr kumimoji="1" lang="en-US" altLang="zh-CN" sz="2200" dirty="0" err="1">
                 <a:latin typeface="Arial" panose="020B0604020202020204" pitchFamily="34" charset="0"/>
                 <a:cs typeface="Arial" panose="020B0604020202020204" pitchFamily="34" charset="0"/>
               </a:rPr>
               <a:t>pytorch</a:t>
             </a:r>
             <a:r>
-              <a:rPr kumimoji="1" lang="zh-CN" altLang="en-US" dirty="0">
+              <a:rPr kumimoji="1" lang="zh-CN" altLang="en-US" sz="2200" dirty="0">
                 <a:latin typeface="Arial" panose="020B0604020202020204" pitchFamily="34" charset="0"/>
                 <a:cs typeface="Arial" panose="020B0604020202020204" pitchFamily="34" charset="0"/>
               </a:rPr>
               <a:t> </a:t>
             </a:r>
             <a:r>
-              <a:rPr kumimoji="1" lang="en-US" altLang="zh-CN" dirty="0">
+              <a:rPr kumimoji="1" lang="en-US" altLang="zh-CN" sz="2200" dirty="0">
                 <a:latin typeface="Arial" panose="020B0604020202020204" pitchFamily="34" charset="0"/>
                 <a:cs typeface="Arial" panose="020B0604020202020204" pitchFamily="34" charset="0"/>
               </a:rPr>
               <a:t>lightning</a:t>
             </a:r>
             <a:r>
-              <a:rPr kumimoji="1" lang="zh-CN" altLang="en-US" dirty="0">
+              <a:rPr kumimoji="1" lang="zh-CN" altLang="en-US" sz="2200" dirty="0">
                 <a:latin typeface="Arial" panose="020B0604020202020204" pitchFamily="34" charset="0"/>
                 <a:cs typeface="Arial" panose="020B0604020202020204" pitchFamily="34" charset="0"/>
               </a:rPr>
               <a:t>组织整体的训练流程</a:t>
             </a:r>
-            <a:endParaRPr kumimoji="1" lang="en" altLang="zh-CN" dirty="0">
+            <a:endParaRPr kumimoji="1" lang="en-US" altLang="zh-CN" sz="2200" dirty="0">
               <a:latin typeface="Arial" panose="020B0604020202020204" pitchFamily="34" charset="0"/>
               <a:cs typeface="Arial" panose="020B0604020202020204" pitchFamily="34" charset="0"/>
             </a:endParaRPr>
@@ -7822,12 +7885,23 @@
               <a:buChar char="-"/>
             </a:pPr>
             <a:r>
-              <a:rPr kumimoji="1" lang="en" altLang="zh-CN" dirty="0">
-                <a:latin typeface="Arial" panose="020B0604020202020204" pitchFamily="34" charset="0"/>
-                <a:cs typeface="Arial" panose="020B0604020202020204" pitchFamily="34" charset="0"/>
-              </a:rPr>
-              <a:t>Epoch=200</a:t>
-            </a:r>
+              <a:rPr kumimoji="1" lang="zh-CN" altLang="en" sz="2200" dirty="0">
+                <a:latin typeface="Arial" panose="020B0604020202020204" pitchFamily="34" charset="0"/>
+                <a:cs typeface="Arial" panose="020B0604020202020204" pitchFamily="34" charset="0"/>
+              </a:rPr>
+              <a:t>手写</a:t>
+            </a:r>
+            <a:r>
+              <a:rPr kumimoji="1" lang="zh-CN" altLang="en-US" sz="2200" dirty="0">
+                <a:latin typeface="Arial" panose="020B0604020202020204" pitchFamily="34" charset="0"/>
+                <a:cs typeface="Arial" panose="020B0604020202020204" pitchFamily="34" charset="0"/>
+              </a:rPr>
+              <a:t>训练和验证的迭代函数</a:t>
+            </a:r>
+            <a:endParaRPr kumimoji="1" lang="en-US" altLang="zh-CN" sz="2200" dirty="0">
+              <a:latin typeface="Arial" panose="020B0604020202020204" pitchFamily="34" charset="0"/>
+              <a:cs typeface="Arial" panose="020B0604020202020204" pitchFamily="34" charset="0"/>
+            </a:endParaRPr>
           </a:p>
           <a:p>
             <a:pPr marL="285750" indent="-285750">
@@ -7838,12 +7912,62 @@
               <a:buChar char="-"/>
             </a:pPr>
             <a:r>
-              <a:rPr kumimoji="1" lang="en" altLang="zh-CN" dirty="0">
-                <a:latin typeface="Arial" panose="020B0604020202020204" pitchFamily="34" charset="0"/>
-                <a:cs typeface="Arial" panose="020B0604020202020204" pitchFamily="34" charset="0"/>
-              </a:rPr>
-              <a:t>Batch Size=128</a:t>
-            </a:r>
+              <a:rPr kumimoji="1" lang="en-US" altLang="zh-CN" sz="2200" dirty="0">
+                <a:solidFill>
+                  <a:srgbClr val="FF0000"/>
+                </a:solidFill>
+                <a:latin typeface="Arial" panose="020B0604020202020204" pitchFamily="34" charset="0"/>
+                <a:cs typeface="Arial" panose="020B0604020202020204" pitchFamily="34" charset="0"/>
+              </a:rPr>
+              <a:t>Training</a:t>
+            </a:r>
+            <a:r>
+              <a:rPr kumimoji="1" lang="zh-CN" altLang="en-US" sz="2200" dirty="0">
+                <a:solidFill>
+                  <a:srgbClr val="FF0000"/>
+                </a:solidFill>
+                <a:latin typeface="Arial" panose="020B0604020202020204" pitchFamily="34" charset="0"/>
+                <a:cs typeface="Arial" panose="020B0604020202020204" pitchFamily="34" charset="0"/>
+              </a:rPr>
+              <a:t> </a:t>
+            </a:r>
+            <a:r>
+              <a:rPr kumimoji="1" lang="en-US" altLang="zh-CN" sz="2200" dirty="0">
+                <a:solidFill>
+                  <a:srgbClr val="FF0000"/>
+                </a:solidFill>
+                <a:latin typeface="Arial" panose="020B0604020202020204" pitchFamily="34" charset="0"/>
+                <a:cs typeface="Arial" panose="020B0604020202020204" pitchFamily="34" charset="0"/>
+              </a:rPr>
+              <a:t>from</a:t>
+            </a:r>
+            <a:r>
+              <a:rPr kumimoji="1" lang="zh-CN" altLang="en-US" sz="2200" dirty="0">
+                <a:solidFill>
+                  <a:srgbClr val="FF0000"/>
+                </a:solidFill>
+                <a:latin typeface="Arial" panose="020B0604020202020204" pitchFamily="34" charset="0"/>
+                <a:cs typeface="Arial" panose="020B0604020202020204" pitchFamily="34" charset="0"/>
+              </a:rPr>
+              <a:t> </a:t>
+            </a:r>
+            <a:r>
+              <a:rPr kumimoji="1" lang="en-US" altLang="zh-CN" sz="2200" dirty="0">
+                <a:solidFill>
+                  <a:srgbClr val="FF0000"/>
+                </a:solidFill>
+                <a:latin typeface="Arial" panose="020B0604020202020204" pitchFamily="34" charset="0"/>
+                <a:cs typeface="Arial" panose="020B0604020202020204" pitchFamily="34" charset="0"/>
+              </a:rPr>
+              <a:t>scratch</a:t>
+            </a:r>
+            <a:endParaRPr kumimoji="1" lang="en" altLang="zh-CN" sz="2200" dirty="0">
+              <a:solidFill>
+                <a:srgbClr val="FF0000"/>
+              </a:solidFill>
+              <a:latin typeface="Arial" panose="020B0604020202020204" pitchFamily="34" charset="0"/>
+              <a:cs typeface="Arial" panose="020B0604020202020204" pitchFamily="34" charset="0"/>
+            </a:endParaRPr>
           </a:p>
           <a:p>
             <a:pPr marL="285750" indent="-285750">
@@ -7854,11 +7978,11 @@
               <a:buChar char="-"/>
             </a:pPr>
             <a:r>
-              <a:rPr kumimoji="1" lang="en" altLang="zh-CN" dirty="0">
-                <a:latin typeface="Arial" panose="020B0604020202020204" pitchFamily="34" charset="0"/>
-                <a:cs typeface="Arial" panose="020B0604020202020204" pitchFamily="34" charset="0"/>
-              </a:rPr>
-              <a:t>Optimizer=Adam</a:t>
+              <a:rPr kumimoji="1" lang="en" altLang="zh-CN" sz="2200" dirty="0">
+                <a:latin typeface="Arial" panose="020B0604020202020204" pitchFamily="34" charset="0"/>
+                <a:cs typeface="Arial" panose="020B0604020202020204" pitchFamily="34" charset="0"/>
+              </a:rPr>
+              <a:t>Epoch=200</a:t>
             </a:r>
           </a:p>
           <a:p>
@@ -7870,11 +7994,11 @@
               <a:buChar char="-"/>
             </a:pPr>
             <a:r>
-              <a:rPr kumimoji="1" lang="en" altLang="zh-CN" dirty="0">
-                <a:latin typeface="Arial" panose="020B0604020202020204" pitchFamily="34" charset="0"/>
-                <a:cs typeface="Arial" panose="020B0604020202020204" pitchFamily="34" charset="0"/>
-              </a:rPr>
-              <a:t>Weight Decay=5e-5</a:t>
+              <a:rPr kumimoji="1" lang="en" altLang="zh-CN" sz="2200" dirty="0">
+                <a:latin typeface="Arial" panose="020B0604020202020204" pitchFamily="34" charset="0"/>
+                <a:cs typeface="Arial" panose="020B0604020202020204" pitchFamily="34" charset="0"/>
+              </a:rPr>
+              <a:t>Batch Size=128</a:t>
             </a:r>
           </a:p>
           <a:p>
@@ -7886,88 +8010,25 @@
               <a:buChar char="-"/>
             </a:pPr>
             <a:r>
-              <a:rPr kumimoji="1" lang="en" altLang="zh-CN" dirty="0">
-                <a:latin typeface="Arial" panose="020B0604020202020204" pitchFamily="34" charset="0"/>
-                <a:cs typeface="Arial" panose="020B0604020202020204" pitchFamily="34" charset="0"/>
-              </a:rPr>
-              <a:t>LR Scheduler=warmup</a:t>
-            </a:r>
-            <a:r>
-              <a:rPr kumimoji="1" lang="zh-CN" altLang="en-US" dirty="0">
-                <a:latin typeface="Arial" panose="020B0604020202020204" pitchFamily="34" charset="0"/>
-                <a:cs typeface="Arial" panose="020B0604020202020204" pitchFamily="34" charset="0"/>
-              </a:rPr>
-              <a:t>* </a:t>
-            </a:r>
-            <a:r>
-              <a:rPr kumimoji="1" lang="en" altLang="zh-CN" dirty="0">
-                <a:latin typeface="Arial" panose="020B0604020202020204" pitchFamily="34" charset="0"/>
-                <a:cs typeface="Arial" panose="020B0604020202020204" pitchFamily="34" charset="0"/>
-              </a:rPr>
-              <a:t>+</a:t>
-            </a:r>
-            <a:r>
-              <a:rPr kumimoji="1" lang="zh-CN" altLang="en-US" dirty="0">
-                <a:latin typeface="Arial" panose="020B0604020202020204" pitchFamily="34" charset="0"/>
-                <a:cs typeface="Arial" panose="020B0604020202020204" pitchFamily="34" charset="0"/>
-              </a:rPr>
-              <a:t> </a:t>
-            </a:r>
-            <a:r>
-              <a:rPr kumimoji="1" lang="en" altLang="zh-CN" dirty="0">
-                <a:latin typeface="Arial" panose="020B0604020202020204" pitchFamily="34" charset="0"/>
-                <a:cs typeface="Arial" panose="020B0604020202020204" pitchFamily="34" charset="0"/>
-              </a:rPr>
-              <a:t>Cosine</a:t>
-            </a:r>
-            <a:r>
-              <a:rPr kumimoji="1" lang="en-US" altLang="zh-CN" dirty="0">
-                <a:latin typeface="Arial" panose="020B0604020202020204" pitchFamily="34" charset="0"/>
-                <a:cs typeface="Arial" panose="020B0604020202020204" pitchFamily="34" charset="0"/>
-              </a:rPr>
-              <a:t>,</a:t>
-            </a:r>
-            <a:r>
-              <a:rPr kumimoji="1" lang="zh-CN" altLang="en-US" dirty="0">
-                <a:latin typeface="Arial" panose="020B0604020202020204" pitchFamily="34" charset="0"/>
-                <a:cs typeface="Arial" panose="020B0604020202020204" pitchFamily="34" charset="0"/>
-              </a:rPr>
-              <a:t> </a:t>
-            </a:r>
-            <a:r>
-              <a:rPr kumimoji="1" lang="en" altLang="zh-CN" dirty="0">
-                <a:latin typeface="Arial" panose="020B0604020202020204" pitchFamily="34" charset="0"/>
-                <a:cs typeface="Arial" panose="020B0604020202020204" pitchFamily="34" charset="0"/>
-              </a:rPr>
-              <a:t>Init LR=1e-3, Last LR=1e-5,</a:t>
-            </a:r>
-            <a:r>
-              <a:rPr kumimoji="1" lang="zh-CN" altLang="en-US" dirty="0">
-                <a:latin typeface="Arial" panose="020B0604020202020204" pitchFamily="34" charset="0"/>
-                <a:cs typeface="Arial" panose="020B0604020202020204" pitchFamily="34" charset="0"/>
-              </a:rPr>
-              <a:t> </a:t>
-            </a:r>
-            <a:r>
-              <a:rPr kumimoji="1" lang="en" altLang="zh-CN" dirty="0">
-                <a:latin typeface="Arial" panose="020B0604020202020204" pitchFamily="34" charset="0"/>
-                <a:cs typeface="Arial" panose="020B0604020202020204" pitchFamily="34" charset="0"/>
-              </a:rPr>
-              <a:t>Warmup=5</a:t>
-            </a:r>
-            <a:r>
-              <a:rPr kumimoji="1" lang="zh-CN" altLang="en-US" dirty="0">
-                <a:latin typeface="Arial" panose="020B0604020202020204" pitchFamily="34" charset="0"/>
-                <a:cs typeface="Arial" panose="020B0604020202020204" pitchFamily="34" charset="0"/>
-              </a:rPr>
-              <a:t> </a:t>
-            </a:r>
-            <a:r>
-              <a:rPr kumimoji="1" lang="en" altLang="zh-CN" dirty="0">
-                <a:latin typeface="Arial" panose="020B0604020202020204" pitchFamily="34" charset="0"/>
-                <a:cs typeface="Arial" panose="020B0604020202020204" pitchFamily="34" charset="0"/>
-              </a:rPr>
-              <a:t>epochs</a:t>
+              <a:rPr kumimoji="1" lang="en" altLang="zh-CN" sz="2200" dirty="0">
+                <a:latin typeface="Arial" panose="020B0604020202020204" pitchFamily="34" charset="0"/>
+                <a:cs typeface="Arial" panose="020B0604020202020204" pitchFamily="34" charset="0"/>
+              </a:rPr>
+              <a:t>Optimizer=Adam</a:t>
+            </a:r>
+            <a:r>
+              <a:rPr kumimoji="1" lang="zh-CN" altLang="en-US" sz="2200" dirty="0">
+                <a:latin typeface="Arial" panose="020B0604020202020204" pitchFamily="34" charset="0"/>
+                <a:cs typeface="Arial" panose="020B0604020202020204" pitchFamily="34" charset="0"/>
+              </a:rPr>
+              <a:t>，</a:t>
+            </a:r>
+            <a:r>
+              <a:rPr kumimoji="1" lang="en" altLang="zh-CN" sz="2200" dirty="0">
+                <a:latin typeface="Arial" panose="020B0604020202020204" pitchFamily="34" charset="0"/>
+                <a:cs typeface="Arial" panose="020B0604020202020204" pitchFamily="34" charset="0"/>
+              </a:rPr>
+              <a:t>Weight Decay=5e-5</a:t>
             </a:r>
           </a:p>
           <a:p>
@@ -7979,18 +8040,88 @@
               <a:buChar char="-"/>
             </a:pPr>
             <a:r>
-              <a:rPr kumimoji="1" lang="en" altLang="zh-CN" dirty="0" err="1">
-                <a:latin typeface="Arial" panose="020B0604020202020204" pitchFamily="34" charset="0"/>
-                <a:cs typeface="Arial" panose="020B0604020202020204" pitchFamily="34" charset="0"/>
-              </a:rPr>
-              <a:t>AutoAugment</a:t>
-            </a:r>
-            <a:r>
-              <a:rPr kumimoji="1" lang="en" altLang="zh-CN" dirty="0">
-                <a:latin typeface="Arial" panose="020B0604020202020204" pitchFamily="34" charset="0"/>
-                <a:cs typeface="Arial" panose="020B0604020202020204" pitchFamily="34" charset="0"/>
-              </a:rPr>
-              <a:t>=True,</a:t>
+              <a:rPr kumimoji="1" lang="en" altLang="zh-CN" sz="2200" dirty="0">
+                <a:latin typeface="Arial" panose="020B0604020202020204" pitchFamily="34" charset="0"/>
+                <a:cs typeface="Arial" panose="020B0604020202020204" pitchFamily="34" charset="0"/>
+              </a:rPr>
+              <a:t>LR Scheduler=warmup</a:t>
+            </a:r>
+            <a:r>
+              <a:rPr kumimoji="1" lang="zh-CN" altLang="en-US" sz="2200" dirty="0">
+                <a:latin typeface="Arial" panose="020B0604020202020204" pitchFamily="34" charset="0"/>
+                <a:cs typeface="Arial" panose="020B0604020202020204" pitchFamily="34" charset="0"/>
+              </a:rPr>
+              <a:t>* </a:t>
+            </a:r>
+            <a:r>
+              <a:rPr kumimoji="1" lang="en" altLang="zh-CN" sz="2200" dirty="0">
+                <a:latin typeface="Arial" panose="020B0604020202020204" pitchFamily="34" charset="0"/>
+                <a:cs typeface="Arial" panose="020B0604020202020204" pitchFamily="34" charset="0"/>
+              </a:rPr>
+              <a:t>+</a:t>
+            </a:r>
+            <a:r>
+              <a:rPr kumimoji="1" lang="zh-CN" altLang="en-US" sz="2200" dirty="0">
+                <a:latin typeface="Arial" panose="020B0604020202020204" pitchFamily="34" charset="0"/>
+                <a:cs typeface="Arial" panose="020B0604020202020204" pitchFamily="34" charset="0"/>
+              </a:rPr>
+              <a:t> </a:t>
+            </a:r>
+            <a:r>
+              <a:rPr kumimoji="1" lang="en" altLang="zh-CN" sz="2200" dirty="0">
+                <a:latin typeface="Arial" panose="020B0604020202020204" pitchFamily="34" charset="0"/>
+                <a:cs typeface="Arial" panose="020B0604020202020204" pitchFamily="34" charset="0"/>
+              </a:rPr>
+              <a:t>Cosine</a:t>
+            </a:r>
+            <a:r>
+              <a:rPr kumimoji="1" lang="en-US" altLang="zh-CN" sz="2200" dirty="0">
+                <a:latin typeface="Arial" panose="020B0604020202020204" pitchFamily="34" charset="0"/>
+                <a:cs typeface="Arial" panose="020B0604020202020204" pitchFamily="34" charset="0"/>
+              </a:rPr>
+              <a:t>,</a:t>
+            </a:r>
+            <a:r>
+              <a:rPr kumimoji="1" lang="zh-CN" altLang="en-US" sz="2200" dirty="0">
+                <a:latin typeface="Arial" panose="020B0604020202020204" pitchFamily="34" charset="0"/>
+                <a:cs typeface="Arial" panose="020B0604020202020204" pitchFamily="34" charset="0"/>
+              </a:rPr>
+              <a:t> </a:t>
+            </a:r>
+            <a:r>
+              <a:rPr kumimoji="1" lang="en" altLang="zh-CN" sz="2200" dirty="0">
+                <a:latin typeface="Arial" panose="020B0604020202020204" pitchFamily="34" charset="0"/>
+                <a:cs typeface="Arial" panose="020B0604020202020204" pitchFamily="34" charset="0"/>
+              </a:rPr>
+              <a:t>Init LR=1e-3, Last LR=1e-5,</a:t>
+            </a:r>
+            <a:r>
+              <a:rPr kumimoji="1" lang="zh-CN" altLang="en-US" sz="2200" dirty="0">
+                <a:latin typeface="Arial" panose="020B0604020202020204" pitchFamily="34" charset="0"/>
+                <a:cs typeface="Arial" panose="020B0604020202020204" pitchFamily="34" charset="0"/>
+              </a:rPr>
+              <a:t> </a:t>
+            </a:r>
+            <a:r>
+              <a:rPr kumimoji="1" lang="en" altLang="zh-CN" sz="2200" dirty="0">
+                <a:latin typeface="Arial" panose="020B0604020202020204" pitchFamily="34" charset="0"/>
+                <a:cs typeface="Arial" panose="020B0604020202020204" pitchFamily="34" charset="0"/>
+              </a:rPr>
+              <a:t>Warmup=5</a:t>
+            </a:r>
+            <a:r>
+              <a:rPr kumimoji="1" lang="zh-CN" altLang="en-US" sz="2200" dirty="0">
+                <a:latin typeface="Arial" panose="020B0604020202020204" pitchFamily="34" charset="0"/>
+                <a:cs typeface="Arial" panose="020B0604020202020204" pitchFamily="34" charset="0"/>
+              </a:rPr>
+              <a:t> </a:t>
+            </a:r>
+            <a:r>
+              <a:rPr kumimoji="1" lang="en" altLang="zh-CN" sz="2200" dirty="0">
+                <a:latin typeface="Arial" panose="020B0604020202020204" pitchFamily="34" charset="0"/>
+                <a:cs typeface="Arial" panose="020B0604020202020204" pitchFamily="34" charset="0"/>
+              </a:rPr>
+              <a:t>epochs</a:t>
             </a:r>
           </a:p>
           <a:p>
@@ -8002,13 +8133,34 @@
               <a:buChar char="-"/>
             </a:pPr>
             <a:r>
-              <a:rPr kumimoji="1" lang="en" altLang="zh-CN" dirty="0">
+              <a:rPr kumimoji="1" lang="en" altLang="zh-CN" sz="2200" dirty="0" err="1">
+                <a:latin typeface="Arial" panose="020B0604020202020204" pitchFamily="34" charset="0"/>
+                <a:cs typeface="Arial" panose="020B0604020202020204" pitchFamily="34" charset="0"/>
+              </a:rPr>
+              <a:t>AutoAugment</a:t>
+            </a:r>
+            <a:r>
+              <a:rPr kumimoji="1" lang="en" altLang="zh-CN" sz="2200" dirty="0">
+                <a:latin typeface="Arial" panose="020B0604020202020204" pitchFamily="34" charset="0"/>
+                <a:cs typeface="Arial" panose="020B0604020202020204" pitchFamily="34" charset="0"/>
+              </a:rPr>
+              <a:t>=True</a:t>
+            </a:r>
+            <a:r>
+              <a:rPr kumimoji="1" lang="zh-CN" altLang="en-US" sz="2200" dirty="0">
+                <a:latin typeface="Arial" panose="020B0604020202020204" pitchFamily="34" charset="0"/>
+                <a:cs typeface="Arial" panose="020B0604020202020204" pitchFamily="34" charset="0"/>
+              </a:rPr>
+              <a:t>，</a:t>
+            </a:r>
+            <a:r>
+              <a:rPr kumimoji="1" lang="en" altLang="zh-CN" sz="2200" dirty="0">
                 <a:latin typeface="Arial" panose="020B0604020202020204" pitchFamily="34" charset="0"/>
                 <a:cs typeface="Arial" panose="020B0604020202020204" pitchFamily="34" charset="0"/>
               </a:rPr>
               <a:t>Label Smoothing=0.1</a:t>
             </a:r>
-            <a:endParaRPr kumimoji="1" lang="zh-CN" altLang="en-US" dirty="0">
+            <a:endParaRPr kumimoji="1" lang="zh-CN" altLang="en-US" sz="2200" dirty="0">
               <a:latin typeface="Arial" panose="020B0604020202020204" pitchFamily="34" charset="0"/>
               <a:cs typeface="Arial" panose="020B0604020202020204" pitchFamily="34" charset="0"/>
             </a:endParaRPr>
@@ -8105,7 +8257,7 @@
         </p:blipFill>
         <p:spPr>
           <a:xfrm>
-            <a:off x="9093200" y="1690688"/>
+            <a:off x="8979438" y="1507874"/>
             <a:ext cx="2260600" cy="736600"/>
           </a:xfrm>
           <a:prstGeom prst="rect">

--- a/图像分类-孙一-房鋆.pptx
+++ b/图像分类-孙一-房鋆.pptx
@@ -209,7 +209,7 @@
           <a:p>
             <a:fld id="{E97688D6-204B-8A4F-AFBC-074F772A0150}" type="datetimeFigureOut">
               <a:rPr kumimoji="1" lang="zh-CN" altLang="en-US" smtClean="0"/>
-              <a:t>2024/6/12</a:t>
+              <a:t>2024/6/13</a:t>
             </a:fld>
             <a:endParaRPr kumimoji="1" lang="zh-CN" altLang="en-US"/>
           </a:p>
@@ -1490,7 +1490,7 @@
           <a:p>
             <a:fld id="{D0DA8BFA-E20B-6649-B1D7-0734B0680956}" type="datetimeFigureOut">
               <a:rPr kumimoji="1" lang="zh-CN" altLang="en-US" smtClean="0"/>
-              <a:t>2024/6/12</a:t>
+              <a:t>2024/6/13</a:t>
             </a:fld>
             <a:endParaRPr kumimoji="1" lang="zh-CN" altLang="en-US"/>
           </a:p>
@@ -1688,7 +1688,7 @@
           <a:p>
             <a:fld id="{D0DA8BFA-E20B-6649-B1D7-0734B0680956}" type="datetimeFigureOut">
               <a:rPr kumimoji="1" lang="zh-CN" altLang="en-US" smtClean="0"/>
-              <a:t>2024/6/12</a:t>
+              <a:t>2024/6/13</a:t>
             </a:fld>
             <a:endParaRPr kumimoji="1" lang="zh-CN" altLang="en-US"/>
           </a:p>
@@ -1896,7 +1896,7 @@
           <a:p>
             <a:fld id="{D0DA8BFA-E20B-6649-B1D7-0734B0680956}" type="datetimeFigureOut">
               <a:rPr kumimoji="1" lang="zh-CN" altLang="en-US" smtClean="0"/>
-              <a:t>2024/6/12</a:t>
+              <a:t>2024/6/13</a:t>
             </a:fld>
             <a:endParaRPr kumimoji="1" lang="zh-CN" altLang="en-US"/>
           </a:p>
@@ -2094,7 +2094,7 @@
           <a:p>
             <a:fld id="{D0DA8BFA-E20B-6649-B1D7-0734B0680956}" type="datetimeFigureOut">
               <a:rPr kumimoji="1" lang="zh-CN" altLang="en-US" smtClean="0"/>
-              <a:t>2024/6/12</a:t>
+              <a:t>2024/6/13</a:t>
             </a:fld>
             <a:endParaRPr kumimoji="1" lang="zh-CN" altLang="en-US"/>
           </a:p>
@@ -2369,7 +2369,7 @@
           <a:p>
             <a:fld id="{D0DA8BFA-E20B-6649-B1D7-0734B0680956}" type="datetimeFigureOut">
               <a:rPr kumimoji="1" lang="zh-CN" altLang="en-US" smtClean="0"/>
-              <a:t>2024/6/12</a:t>
+              <a:t>2024/6/13</a:t>
             </a:fld>
             <a:endParaRPr kumimoji="1" lang="zh-CN" altLang="en-US"/>
           </a:p>
@@ -2634,7 +2634,7 @@
           <a:p>
             <a:fld id="{D0DA8BFA-E20B-6649-B1D7-0734B0680956}" type="datetimeFigureOut">
               <a:rPr kumimoji="1" lang="zh-CN" altLang="en-US" smtClean="0"/>
-              <a:t>2024/6/12</a:t>
+              <a:t>2024/6/13</a:t>
             </a:fld>
             <a:endParaRPr kumimoji="1" lang="zh-CN" altLang="en-US"/>
           </a:p>
@@ -3046,7 +3046,7 @@
           <a:p>
             <a:fld id="{D0DA8BFA-E20B-6649-B1D7-0734B0680956}" type="datetimeFigureOut">
               <a:rPr kumimoji="1" lang="zh-CN" altLang="en-US" smtClean="0"/>
-              <a:t>2024/6/12</a:t>
+              <a:t>2024/6/13</a:t>
             </a:fld>
             <a:endParaRPr kumimoji="1" lang="zh-CN" altLang="en-US"/>
           </a:p>
@@ -3187,7 +3187,7 @@
           <a:p>
             <a:fld id="{D0DA8BFA-E20B-6649-B1D7-0734B0680956}" type="datetimeFigureOut">
               <a:rPr kumimoji="1" lang="zh-CN" altLang="en-US" smtClean="0"/>
-              <a:t>2024/6/12</a:t>
+              <a:t>2024/6/13</a:t>
             </a:fld>
             <a:endParaRPr kumimoji="1" lang="zh-CN" altLang="en-US"/>
           </a:p>
@@ -3300,7 +3300,7 @@
           <a:p>
             <a:fld id="{D0DA8BFA-E20B-6649-B1D7-0734B0680956}" type="datetimeFigureOut">
               <a:rPr kumimoji="1" lang="zh-CN" altLang="en-US" smtClean="0"/>
-              <a:t>2024/6/12</a:t>
+              <a:t>2024/6/13</a:t>
             </a:fld>
             <a:endParaRPr kumimoji="1" lang="zh-CN" altLang="en-US"/>
           </a:p>
@@ -3611,7 +3611,7 @@
           <a:p>
             <a:fld id="{D0DA8BFA-E20B-6649-B1D7-0734B0680956}" type="datetimeFigureOut">
               <a:rPr kumimoji="1" lang="zh-CN" altLang="en-US" smtClean="0"/>
-              <a:t>2024/6/12</a:t>
+              <a:t>2024/6/13</a:t>
             </a:fld>
             <a:endParaRPr kumimoji="1" lang="zh-CN" altLang="en-US"/>
           </a:p>
@@ -3899,7 +3899,7 @@
           <a:p>
             <a:fld id="{D0DA8BFA-E20B-6649-B1D7-0734B0680956}" type="datetimeFigureOut">
               <a:rPr kumimoji="1" lang="zh-CN" altLang="en-US" smtClean="0"/>
-              <a:t>2024/6/12</a:t>
+              <a:t>2024/6/13</a:t>
             </a:fld>
             <a:endParaRPr kumimoji="1" lang="zh-CN" altLang="en-US"/>
           </a:p>
@@ -4140,7 +4140,7 @@
           <a:p>
             <a:fld id="{D0DA8BFA-E20B-6649-B1D7-0734B0680956}" type="datetimeFigureOut">
               <a:rPr kumimoji="1" lang="zh-CN" altLang="en-US" smtClean="0"/>
-              <a:t>2024/6/12</a:t>
+              <a:t>2024/6/13</a:t>
             </a:fld>
             <a:endParaRPr kumimoji="1" lang="zh-CN" altLang="en-US"/>
           </a:p>
@@ -4990,8 +4990,8 @@
         </p:nvSpPr>
         <p:spPr>
           <a:xfrm>
-            <a:off x="3438144" y="5969655"/>
-            <a:ext cx="7915656" cy="523220"/>
+            <a:off x="6096000" y="6092765"/>
+            <a:ext cx="5779008" cy="400110"/>
           </a:xfrm>
           <a:prstGeom prst="rect">
             <a:avLst/>
@@ -5005,7 +5005,7 @@
           <a:lstStyle/>
           <a:p>
             <a:r>
-              <a:rPr lang="zh-CN" altLang="en-US" sz="2800" dirty="0">
+              <a:rPr lang="zh-CN" altLang="en-US" sz="2000" dirty="0">
                 <a:latin typeface="Arial" panose="020B0604020202020204" pitchFamily="34" charset="0"/>
                 <a:cs typeface="Arial" panose="020B0604020202020204" pitchFamily="34" charset="0"/>
               </a:rPr>
@@ -7206,7 +7206,7 @@
         </p:blipFill>
         <p:spPr>
           <a:xfrm>
-            <a:off x="7036206" y="3965972"/>
+            <a:off x="7015073" y="3664123"/>
             <a:ext cx="4910431" cy="2571577"/>
           </a:xfrm>
           <a:prstGeom prst="rect">
@@ -7720,6 +7720,36 @@
           <a:xfrm>
             <a:off x="1433095" y="3102509"/>
             <a:ext cx="6543842" cy="1050459"/>
+          </a:xfrm>
+          <a:prstGeom prst="rect">
+            <a:avLst/>
+          </a:prstGeom>
+        </p:spPr>
+      </p:pic>
+      <p:pic>
+        <p:nvPicPr>
+          <p:cNvPr id="3" name="图片 2">
+            <a:extLst>
+              <a:ext uri="{FF2B5EF4-FFF2-40B4-BE49-F238E27FC236}">
+                <a16:creationId xmlns:a16="http://schemas.microsoft.com/office/drawing/2014/main" id="{EAD90806-02D0-E053-77AF-16603C1ACF76}"/>
+              </a:ext>
+            </a:extLst>
+          </p:cNvPr>
+          <p:cNvPicPr>
+            <a:picLocks noChangeAspect="1"/>
+          </p:cNvPicPr>
+          <p:nvPr/>
+        </p:nvPicPr>
+        <p:blipFill>
+          <a:blip r:embed="rId5"/>
+          <a:stretch>
+            <a:fillRect/>
+          </a:stretch>
+        </p:blipFill>
+        <p:spPr>
+          <a:xfrm>
+            <a:off x="7159869" y="6126403"/>
+            <a:ext cx="2986522" cy="700484"/>
           </a:xfrm>
           <a:prstGeom prst="rect">
             <a:avLst/>
@@ -8107,7 +8137,21 @@
                 <a:latin typeface="Arial" panose="020B0604020202020204" pitchFamily="34" charset="0"/>
                 <a:cs typeface="Arial" panose="020B0604020202020204" pitchFamily="34" charset="0"/>
               </a:rPr>
-              <a:t>Warmup=5</a:t>
+              <a:t>Warmup=</a:t>
+            </a:r>
+            <a:r>
+              <a:rPr kumimoji="1" lang="zh-CN" altLang="en-US" sz="2200" dirty="0">
+                <a:latin typeface="Arial" panose="020B0604020202020204" pitchFamily="34" charset="0"/>
+                <a:cs typeface="Arial" panose="020B0604020202020204" pitchFamily="34" charset="0"/>
+              </a:rPr>
+              <a:t> </a:t>
+            </a:r>
+            <a:r>
+              <a:rPr kumimoji="1" lang="en" altLang="zh-CN" sz="2200" dirty="0">
+                <a:latin typeface="Arial" panose="020B0604020202020204" pitchFamily="34" charset="0"/>
+                <a:cs typeface="Arial" panose="020B0604020202020204" pitchFamily="34" charset="0"/>
+              </a:rPr>
+              <a:t>5</a:t>
             </a:r>
             <a:r>
               <a:rPr kumimoji="1" lang="zh-CN" altLang="en-US" sz="2200" dirty="0">
@@ -8133,6 +8177,13 @@
               <a:buChar char="-"/>
             </a:pPr>
             <a:r>
+              <a:rPr kumimoji="1" lang="en-US" altLang="zh-CN" sz="2200" dirty="0">
+                <a:latin typeface="Arial" panose="020B0604020202020204" pitchFamily="34" charset="0"/>
+                <a:cs typeface="Arial" panose="020B0604020202020204" pitchFamily="34" charset="0"/>
+              </a:rPr>
+              <a:t>(</a:t>
+            </a:r>
+            <a:r>
               <a:rPr kumimoji="1" lang="en" altLang="zh-CN" sz="2200" dirty="0" err="1">
                 <a:latin typeface="Arial" panose="020B0604020202020204" pitchFamily="34" charset="0"/>
                 <a:cs typeface="Arial" panose="020B0604020202020204" pitchFamily="34" charset="0"/>
@@ -8159,6 +8210,13 @@
                 <a:cs typeface="Arial" panose="020B0604020202020204" pitchFamily="34" charset="0"/>
               </a:rPr>
               <a:t>Label Smoothing=0.1</a:t>
+            </a:r>
+            <a:r>
+              <a:rPr kumimoji="1" lang="en-US" altLang="zh-CN" sz="2200" dirty="0">
+                <a:latin typeface="Arial" panose="020B0604020202020204" pitchFamily="34" charset="0"/>
+                <a:cs typeface="Arial" panose="020B0604020202020204" pitchFamily="34" charset="0"/>
+              </a:rPr>
+              <a:t>)</a:t>
             </a:r>
             <a:endParaRPr kumimoji="1" lang="zh-CN" altLang="en-US" sz="2200" dirty="0">
               <a:latin typeface="Arial" panose="020B0604020202020204" pitchFamily="34" charset="0"/>
